--- a/Progetti (Sistemi e Reti)/Powerpoint/Spettro eletttromagnetico.pptx
+++ b/Progetti (Sistemi e Reti)/Powerpoint/Spettro eletttromagnetico.pptx
@@ -5,14 +5,19 @@
     <p:sldMasterId id="2147483648" r:id="rId1"/>
   </p:sldMasterIdLst>
   <p:notesMasterIdLst>
-    <p:notesMasterId r:id="rId7"/>
+    <p:notesMasterId r:id="rId12"/>
   </p:notesMasterIdLst>
   <p:sldIdLst>
     <p:sldId id="256" r:id="rId2"/>
     <p:sldId id="258" r:id="rId3"/>
     <p:sldId id="261" r:id="rId4"/>
-    <p:sldId id="259" r:id="rId5"/>
-    <p:sldId id="260" r:id="rId6"/>
+    <p:sldId id="263" r:id="rId5"/>
+    <p:sldId id="264" r:id="rId6"/>
+    <p:sldId id="265" r:id="rId7"/>
+    <p:sldId id="266" r:id="rId8"/>
+    <p:sldId id="262" r:id="rId9"/>
+    <p:sldId id="259" r:id="rId10"/>
+    <p:sldId id="260" r:id="rId11"/>
   </p:sldIdLst>
   <p:sldSz cx="12192000" cy="6858000"/>
   <p:notesSz cx="6858000" cy="9144000"/>
@@ -201,7 +206,7 @@
           <a:p>
             <a:fld id="{C086D413-2D37-4DA9-BE88-D04863069880}" type="datetimeFigureOut">
               <a:rPr lang="it-IT" smtClean="0"/>
-              <a:t>04/10/2018</a:t>
+              <a:t>11/10/2018</a:t>
             </a:fld>
             <a:endParaRPr lang="it-IT"/>
           </a:p>
@@ -559,6 +564,113 @@
 </p:notes>
 </file>
 
+<file path=ppt/notesSlides/notesSlide2.xml><?xml version="1.0" encoding="utf-8"?>
+<p:notes xmlns:a="http://schemas.openxmlformats.org/drawingml/2006/main" xmlns:r="http://schemas.openxmlformats.org/officeDocument/2006/relationships" xmlns:p="http://schemas.openxmlformats.org/presentationml/2006/main">
+  <p:cSld>
+    <p:spTree>
+      <p:nvGrpSpPr>
+        <p:cNvPr id="1" name=""/>
+        <p:cNvGrpSpPr/>
+        <p:nvPr/>
+      </p:nvGrpSpPr>
+      <p:grpSpPr>
+        <a:xfrm>
+          <a:off x="0" y="0"/>
+          <a:ext cx="0" cy="0"/>
+          <a:chOff x="0" y="0"/>
+          <a:chExt cx="0" cy="0"/>
+        </a:xfrm>
+      </p:grpSpPr>
+      <p:sp>
+        <p:nvSpPr>
+          <p:cNvPr id="2" name="Segnaposto immagine diapositiva 1"/>
+          <p:cNvSpPr>
+            <a:spLocks noGrp="1" noRot="1" noChangeAspect="1"/>
+          </p:cNvSpPr>
+          <p:nvPr>
+            <p:ph type="sldImg"/>
+          </p:nvPr>
+        </p:nvSpPr>
+        <p:spPr/>
+      </p:sp>
+      <p:sp>
+        <p:nvSpPr>
+          <p:cNvPr id="3" name="Segnaposto note 2"/>
+          <p:cNvSpPr>
+            <a:spLocks noGrp="1"/>
+          </p:cNvSpPr>
+          <p:nvPr>
+            <p:ph type="body" idx="1"/>
+          </p:nvPr>
+        </p:nvSpPr>
+        <p:spPr/>
+        <p:txBody>
+          <a:bodyPr/>
+          <a:lstStyle/>
+          <a:p>
+            <a:pPr marL="0" marR="0" lvl="0" indent="0" algn="l" defTabSz="914400" rtl="0" eaLnBrk="1" fontAlgn="auto" latinLnBrk="0" hangingPunct="1">
+              <a:lnSpc>
+                <a:spcPct val="100000"/>
+              </a:lnSpc>
+              <a:spcBef>
+                <a:spcPts val="0"/>
+              </a:spcBef>
+              <a:spcAft>
+                <a:spcPts val="0"/>
+              </a:spcAft>
+              <a:buClrTx/>
+              <a:buSzTx/>
+              <a:buFontTx/>
+              <a:buNone/>
+              <a:tabLst/>
+              <a:defRPr/>
+            </a:pPr>
+            <a:r>
+              <a:rPr lang="it-IT" dirty="0" smtClean="0"/>
+              <a:t>http://www.meteoweb.eu/2012/11/viaggio-nel-mondo-delle-onde-elettromagnetiche-come-si-propagano-le-onde-radio/167542/#A7T2g9o0D6Zs90Yi.99</a:t>
+            </a:r>
+          </a:p>
+          <a:p>
+            <a:endParaRPr lang="it-IT" dirty="0"/>
+          </a:p>
+        </p:txBody>
+      </p:sp>
+      <p:sp>
+        <p:nvSpPr>
+          <p:cNvPr id="4" name="Segnaposto numero diapositiva 3"/>
+          <p:cNvSpPr>
+            <a:spLocks noGrp="1"/>
+          </p:cNvSpPr>
+          <p:nvPr>
+            <p:ph type="sldNum" sz="quarter" idx="10"/>
+          </p:nvPr>
+        </p:nvSpPr>
+        <p:spPr/>
+        <p:txBody>
+          <a:bodyPr/>
+          <a:lstStyle/>
+          <a:p>
+            <a:fld id="{0F6BA18C-E4B8-4A99-BE9F-12CD7F599D09}" type="slidenum">
+              <a:rPr lang="it-IT" smtClean="0"/>
+              <a:t>7</a:t>
+            </a:fld>
+            <a:endParaRPr lang="it-IT"/>
+          </a:p>
+        </p:txBody>
+      </p:sp>
+    </p:spTree>
+    <p:extLst>
+      <p:ext uri="{BB962C8B-B14F-4D97-AF65-F5344CB8AC3E}">
+        <p14:creationId xmlns:p14="http://schemas.microsoft.com/office/powerpoint/2010/main" val="3030188718"/>
+      </p:ext>
+    </p:extLst>
+  </p:cSld>
+  <p:clrMapOvr>
+    <a:masterClrMapping/>
+  </p:clrMapOvr>
+</p:notes>
+</file>
+
 <file path=ppt/slideLayouts/slideLayout1.xml><?xml version="1.0" encoding="utf-8"?>
 <p:sldLayout xmlns:a="http://schemas.openxmlformats.org/drawingml/2006/main" xmlns:r="http://schemas.openxmlformats.org/officeDocument/2006/relationships" xmlns:p="http://schemas.openxmlformats.org/presentationml/2006/main" type="title" preserve="1">
   <p:cSld name="Diapositiva titolo">
@@ -690,7 +802,7 @@
           <a:p>
             <a:fld id="{6A06295F-FE7B-4D7B-A663-836FA3227857}" type="datetimeFigureOut">
               <a:rPr lang="it-IT" smtClean="0"/>
-              <a:t>04/10/2018</a:t>
+              <a:t>11/10/2018</a:t>
             </a:fld>
             <a:endParaRPr lang="it-IT"/>
           </a:p>
@@ -860,7 +972,7 @@
           <a:p>
             <a:fld id="{6A06295F-FE7B-4D7B-A663-836FA3227857}" type="datetimeFigureOut">
               <a:rPr lang="it-IT" smtClean="0"/>
-              <a:t>04/10/2018</a:t>
+              <a:t>11/10/2018</a:t>
             </a:fld>
             <a:endParaRPr lang="it-IT"/>
           </a:p>
@@ -1040,7 +1152,7 @@
           <a:p>
             <a:fld id="{6A06295F-FE7B-4D7B-A663-836FA3227857}" type="datetimeFigureOut">
               <a:rPr lang="it-IT" smtClean="0"/>
-              <a:t>04/10/2018</a:t>
+              <a:t>11/10/2018</a:t>
             </a:fld>
             <a:endParaRPr lang="it-IT"/>
           </a:p>
@@ -1210,7 +1322,7 @@
           <a:p>
             <a:fld id="{6A06295F-FE7B-4D7B-A663-836FA3227857}" type="datetimeFigureOut">
               <a:rPr lang="it-IT" smtClean="0"/>
-              <a:t>04/10/2018</a:t>
+              <a:t>11/10/2018</a:t>
             </a:fld>
             <a:endParaRPr lang="it-IT"/>
           </a:p>
@@ -1456,7 +1568,7 @@
           <a:p>
             <a:fld id="{6A06295F-FE7B-4D7B-A663-836FA3227857}" type="datetimeFigureOut">
               <a:rPr lang="it-IT" smtClean="0"/>
-              <a:t>04/10/2018</a:t>
+              <a:t>11/10/2018</a:t>
             </a:fld>
             <a:endParaRPr lang="it-IT"/>
           </a:p>
@@ -1688,7 +1800,7 @@
           <a:p>
             <a:fld id="{6A06295F-FE7B-4D7B-A663-836FA3227857}" type="datetimeFigureOut">
               <a:rPr lang="it-IT" smtClean="0"/>
-              <a:t>04/10/2018</a:t>
+              <a:t>11/10/2018</a:t>
             </a:fld>
             <a:endParaRPr lang="it-IT"/>
           </a:p>
@@ -2055,7 +2167,7 @@
           <a:p>
             <a:fld id="{6A06295F-FE7B-4D7B-A663-836FA3227857}" type="datetimeFigureOut">
               <a:rPr lang="it-IT" smtClean="0"/>
-              <a:t>04/10/2018</a:t>
+              <a:t>11/10/2018</a:t>
             </a:fld>
             <a:endParaRPr lang="it-IT"/>
           </a:p>
@@ -2173,7 +2285,7 @@
           <a:p>
             <a:fld id="{6A06295F-FE7B-4D7B-A663-836FA3227857}" type="datetimeFigureOut">
               <a:rPr lang="it-IT" smtClean="0"/>
-              <a:t>04/10/2018</a:t>
+              <a:t>11/10/2018</a:t>
             </a:fld>
             <a:endParaRPr lang="it-IT"/>
           </a:p>
@@ -2268,7 +2380,7 @@
           <a:p>
             <a:fld id="{6A06295F-FE7B-4D7B-A663-836FA3227857}" type="datetimeFigureOut">
               <a:rPr lang="it-IT" smtClean="0"/>
-              <a:t>04/10/2018</a:t>
+              <a:t>11/10/2018</a:t>
             </a:fld>
             <a:endParaRPr lang="it-IT"/>
           </a:p>
@@ -2545,7 +2657,7 @@
           <a:p>
             <a:fld id="{6A06295F-FE7B-4D7B-A663-836FA3227857}" type="datetimeFigureOut">
               <a:rPr lang="it-IT" smtClean="0"/>
-              <a:t>04/10/2018</a:t>
+              <a:t>11/10/2018</a:t>
             </a:fld>
             <a:endParaRPr lang="it-IT"/>
           </a:p>
@@ -2798,7 +2910,7 @@
           <a:p>
             <a:fld id="{6A06295F-FE7B-4D7B-A663-836FA3227857}" type="datetimeFigureOut">
               <a:rPr lang="it-IT" smtClean="0"/>
-              <a:t>04/10/2018</a:t>
+              <a:t>11/10/2018</a:t>
             </a:fld>
             <a:endParaRPr lang="it-IT"/>
           </a:p>
@@ -3011,7 +3123,7 @@
           <a:p>
             <a:fld id="{6A06295F-FE7B-4D7B-A663-836FA3227857}" type="datetimeFigureOut">
               <a:rPr lang="it-IT" smtClean="0"/>
-              <a:t>04/10/2018</a:t>
+              <a:t>11/10/2018</a:t>
             </a:fld>
             <a:endParaRPr lang="it-IT"/>
           </a:p>
@@ -3475,6 +3587,324 @@
 </p:sld>
 </file>
 
+<file path=ppt/slides/slide10.xml><?xml version="1.0" encoding="utf-8"?>
+<p:sld xmlns:a="http://schemas.openxmlformats.org/drawingml/2006/main" xmlns:r="http://schemas.openxmlformats.org/officeDocument/2006/relationships" xmlns:p="http://schemas.openxmlformats.org/presentationml/2006/main">
+  <p:cSld>
+    <p:spTree>
+      <p:nvGrpSpPr>
+        <p:cNvPr id="1" name=""/>
+        <p:cNvGrpSpPr/>
+        <p:nvPr/>
+      </p:nvGrpSpPr>
+      <p:grpSpPr>
+        <a:xfrm>
+          <a:off x="0" y="0"/>
+          <a:ext cx="0" cy="0"/>
+          <a:chOff x="0" y="0"/>
+          <a:chExt cx="0" cy="0"/>
+        </a:xfrm>
+      </p:grpSpPr>
+      <p:sp>
+        <p:nvSpPr>
+          <p:cNvPr id="2" name="Titolo 1"/>
+          <p:cNvSpPr>
+            <a:spLocks noGrp="1"/>
+          </p:cNvSpPr>
+          <p:nvPr>
+            <p:ph type="title"/>
+          </p:nvPr>
+        </p:nvSpPr>
+        <p:spPr/>
+        <p:txBody>
+          <a:bodyPr/>
+          <a:lstStyle/>
+          <a:p>
+            <a:r>
+              <a:rPr lang="it-IT" dirty="0" smtClean="0"/>
+              <a:t>Raggi Gamma</a:t>
+            </a:r>
+            <a:endParaRPr lang="it-IT" dirty="0"/>
+          </a:p>
+        </p:txBody>
+      </p:sp>
+      <p:sp>
+        <p:nvSpPr>
+          <p:cNvPr id="3" name="Segnaposto contenuto 2"/>
+          <p:cNvSpPr>
+            <a:spLocks noGrp="1"/>
+          </p:cNvSpPr>
+          <p:nvPr>
+            <p:ph idx="1"/>
+          </p:nvPr>
+        </p:nvSpPr>
+        <p:spPr/>
+        <p:txBody>
+          <a:bodyPr/>
+          <a:lstStyle/>
+          <a:p>
+            <a:pPr marL="0" indent="0">
+              <a:buNone/>
+            </a:pPr>
+            <a:r>
+              <a:rPr lang="it-IT" dirty="0" smtClean="0"/>
+              <a:t>Usate per: </a:t>
+            </a:r>
+          </a:p>
+          <a:p>
+            <a:r>
+              <a:rPr lang="it-IT" sz="2000" b="1" dirty="0" smtClean="0"/>
+              <a:t>PET:</a:t>
+            </a:r>
+            <a:r>
+              <a:rPr lang="it-IT" dirty="0" smtClean="0"/>
+              <a:t> </a:t>
+            </a:r>
+            <a:r>
+              <a:rPr lang="it-IT" sz="1600" dirty="0" smtClean="0"/>
+              <a:t>per </a:t>
+            </a:r>
+            <a:r>
+              <a:rPr lang="it-IT" sz="1600" dirty="0"/>
+              <a:t>alcuni esami diagnostici di medicina nucleare, come ad esempio la tomografia ad emissione di </a:t>
+            </a:r>
+            <a:r>
+              <a:rPr lang="it-IT" sz="1600" dirty="0" smtClean="0"/>
+              <a:t>positroni.</a:t>
+            </a:r>
+          </a:p>
+          <a:p>
+            <a:pPr marL="0" indent="0">
+              <a:buNone/>
+            </a:pPr>
+            <a:endParaRPr lang="it-IT" dirty="0"/>
+          </a:p>
+        </p:txBody>
+      </p:sp>
+      <p:graphicFrame>
+        <p:nvGraphicFramePr>
+          <p:cNvPr id="4" name="Tabella 3"/>
+          <p:cNvGraphicFramePr>
+            <a:graphicFrameLocks noGrp="1"/>
+          </p:cNvGraphicFramePr>
+          <p:nvPr>
+            <p:extLst>
+              <p:ext uri="{D42A27DB-BD31-4B8C-83A1-F6EECF244321}">
+                <p14:modId xmlns:p14="http://schemas.microsoft.com/office/powerpoint/2010/main" val="3281604939"/>
+              </p:ext>
+            </p:extLst>
+          </p:nvPr>
+        </p:nvGraphicFramePr>
+        <p:xfrm>
+          <a:off x="8120418" y="2961565"/>
+          <a:ext cx="3718258" cy="3095330"/>
+        </p:xfrm>
+        <a:graphic>
+          <a:graphicData uri="http://schemas.openxmlformats.org/drawingml/2006/table">
+            <a:tbl>
+              <a:tblPr firstRow="1" bandRow="1">
+                <a:tableStyleId>{5C22544A-7EE6-4342-B048-85BDC9FD1C3A}</a:tableStyleId>
+              </a:tblPr>
+              <a:tblGrid>
+                <a:gridCol w="1828801"/>
+                <a:gridCol w="1889457"/>
+              </a:tblGrid>
+              <a:tr h="420350">
+                <a:tc>
+                  <a:txBody>
+                    <a:bodyPr/>
+                    <a:lstStyle/>
+                    <a:p>
+                      <a:endParaRPr lang="it-IT" dirty="0"/>
+                    </a:p>
+                  </a:txBody>
+                  <a:tcPr/>
+                </a:tc>
+                <a:tc>
+                  <a:txBody>
+                    <a:bodyPr/>
+                    <a:lstStyle/>
+                    <a:p>
+                      <a:endParaRPr lang="it-IT" dirty="0"/>
+                    </a:p>
+                  </a:txBody>
+                  <a:tcPr/>
+                </a:tc>
+              </a:tr>
+              <a:tr h="464940">
+                <a:tc>
+                  <a:txBody>
+                    <a:bodyPr/>
+                    <a:lstStyle/>
+                    <a:p>
+                      <a:r>
+                        <a:rPr lang="it-IT" dirty="0" smtClean="0"/>
+                        <a:t>Nocive</a:t>
+                      </a:r>
+                      <a:r>
+                        <a:rPr lang="it-IT" baseline="0" dirty="0" smtClean="0"/>
+                        <a:t> per l’uomo</a:t>
+                      </a:r>
+                      <a:endParaRPr lang="it-IT" dirty="0"/>
+                    </a:p>
+                  </a:txBody>
+                  <a:tcPr/>
+                </a:tc>
+                <a:tc>
+                  <a:txBody>
+                    <a:bodyPr/>
+                    <a:lstStyle/>
+                    <a:p>
+                      <a:r>
+                        <a:rPr lang="it-IT" dirty="0" smtClean="0"/>
+                        <a:t>Si</a:t>
+                      </a:r>
+                      <a:r>
+                        <a:rPr lang="it-IT" baseline="0" dirty="0" smtClean="0"/>
+                        <a:t> </a:t>
+                      </a:r>
+                      <a:endParaRPr lang="it-IT" dirty="0"/>
+                    </a:p>
+                  </a:txBody>
+                  <a:tcPr/>
+                </a:tc>
+              </a:tr>
+              <a:tr h="464940">
+                <a:tc>
+                  <a:txBody>
+                    <a:bodyPr/>
+                    <a:lstStyle/>
+                    <a:p>
+                      <a:r>
+                        <a:rPr lang="it-IT" dirty="0" smtClean="0"/>
+                        <a:t>Visibili</a:t>
+                      </a:r>
+                      <a:endParaRPr lang="it-IT" dirty="0"/>
+                    </a:p>
+                  </a:txBody>
+                  <a:tcPr/>
+                </a:tc>
+                <a:tc>
+                  <a:txBody>
+                    <a:bodyPr/>
+                    <a:lstStyle/>
+                    <a:p>
+                      <a:r>
+                        <a:rPr lang="it-IT" dirty="0" smtClean="0"/>
+                        <a:t>No</a:t>
+                      </a:r>
+                      <a:endParaRPr lang="it-IT" dirty="0"/>
+                    </a:p>
+                  </a:txBody>
+                  <a:tcPr/>
+                </a:tc>
+              </a:tr>
+              <a:tr h="464940">
+                <a:tc>
+                  <a:txBody>
+                    <a:bodyPr/>
+                    <a:lstStyle/>
+                    <a:p>
+                      <a:r>
+                        <a:rPr lang="it-IT" dirty="0" smtClean="0"/>
+                        <a:t>Si estendono da</a:t>
+                      </a:r>
+                      <a:endParaRPr lang="it-IT" dirty="0"/>
+                    </a:p>
+                  </a:txBody>
+                  <a:tcPr/>
+                </a:tc>
+                <a:tc>
+                  <a:txBody>
+                    <a:bodyPr/>
+                    <a:lstStyle/>
+                    <a:p>
+                      <a:r>
+                        <a:rPr lang="it-IT" dirty="0" smtClean="0"/>
+                        <a:t>10</a:t>
+                      </a:r>
+                      <a:r>
+                        <a:rPr lang="it-IT" baseline="30000" dirty="0" smtClean="0"/>
+                        <a:t>22</a:t>
+                      </a:r>
+                      <a:endParaRPr lang="it-IT" dirty="0"/>
+                    </a:p>
+                  </a:txBody>
+                  <a:tcPr/>
+                </a:tc>
+              </a:tr>
+              <a:tr h="464940">
+                <a:tc>
+                  <a:txBody>
+                    <a:bodyPr/>
+                    <a:lstStyle/>
+                    <a:p>
+                      <a:r>
+                        <a:rPr lang="it-IT" dirty="0" smtClean="0"/>
+                        <a:t>Si</a:t>
+                      </a:r>
+                      <a:r>
+                        <a:rPr lang="it-IT" baseline="0" dirty="0" smtClean="0"/>
+                        <a:t> estende fino a</a:t>
+                      </a:r>
+                      <a:endParaRPr lang="it-IT" dirty="0"/>
+                    </a:p>
+                  </a:txBody>
+                  <a:tcPr/>
+                </a:tc>
+                <a:tc>
+                  <a:txBody>
+                    <a:bodyPr/>
+                    <a:lstStyle/>
+                    <a:p>
+                      <a:r>
+                        <a:rPr lang="it-IT" dirty="0" smtClean="0"/>
+                        <a:t>Tendente all’infinito</a:t>
+                      </a:r>
+                      <a:endParaRPr lang="it-IT" dirty="0"/>
+                    </a:p>
+                  </a:txBody>
+                  <a:tcPr/>
+                </a:tc>
+              </a:tr>
+              <a:tr h="464940">
+                <a:tc>
+                  <a:txBody>
+                    <a:bodyPr/>
+                    <a:lstStyle/>
+                    <a:p>
+                      <a:endParaRPr lang="it-IT" dirty="0"/>
+                    </a:p>
+                  </a:txBody>
+                  <a:tcPr/>
+                </a:tc>
+                <a:tc>
+                  <a:txBody>
+                    <a:bodyPr/>
+                    <a:lstStyle/>
+                    <a:p>
+                      <a:endParaRPr lang="it-IT" dirty="0"/>
+                    </a:p>
+                  </a:txBody>
+                  <a:tcPr/>
+                </a:tc>
+              </a:tr>
+            </a:tbl>
+          </a:graphicData>
+        </a:graphic>
+      </p:graphicFrame>
+    </p:spTree>
+    <p:extLst>
+      <p:ext uri="{BB962C8B-B14F-4D97-AF65-F5344CB8AC3E}">
+        <p14:creationId xmlns:p14="http://schemas.microsoft.com/office/powerpoint/2010/main" val="3406263562"/>
+      </p:ext>
+    </p:extLst>
+  </p:cSld>
+  <p:clrMapOvr>
+    <a:masterClrMapping/>
+  </p:clrMapOvr>
+</p:sld>
+</file>
+
 <file path=ppt/slides/slide2.xml><?xml version="1.0" encoding="utf-8"?>
 <p:sld xmlns:a="http://schemas.openxmlformats.org/drawingml/2006/main" xmlns:r="http://schemas.openxmlformats.org/officeDocument/2006/relationships" xmlns:p="http://schemas.openxmlformats.org/presentationml/2006/main">
   <p:cSld>
@@ -3578,11 +4008,7 @@
             </a:pPr>
             <a:r>
               <a:rPr lang="it-IT" dirty="0" smtClean="0"/>
-              <a:t>Sono </a:t>
-            </a:r>
-            <a:r>
-              <a:rPr lang="it-IT" dirty="0" smtClean="0"/>
-              <a:t>composte da:</a:t>
+              <a:t>Sono composte da:</a:t>
             </a:r>
           </a:p>
           <a:p>
@@ -3770,11 +4196,11 @@
               <a:t>I metalli le riflettono, gli isolanti in genere le deviano (</a:t>
             </a:r>
             <a:r>
-              <a:rPr lang="it-IT" b="1" smtClean="0"/>
+              <a:rPr lang="it-IT" b="1" dirty="0" smtClean="0"/>
               <a:t>rifrazione</a:t>
             </a:r>
             <a:r>
-              <a:rPr lang="it-IT" smtClean="0"/>
+              <a:rPr lang="it-IT" dirty="0" smtClean="0"/>
               <a:t>)</a:t>
             </a:r>
           </a:p>
@@ -3828,13 +4254,14 @@
         </p:nvSpPr>
         <p:spPr/>
         <p:txBody>
-          <a:bodyPr/>
-          <a:lstStyle/>
-          <a:p>
-            <a:pPr algn="ctr"/>
+          <a:bodyPr>
+            <a:normAutofit/>
+          </a:bodyPr>
+          <a:lstStyle/>
+          <a:p>
             <a:r>
               <a:rPr lang="it-IT" dirty="0" smtClean="0"/>
-              <a:t>Spettro elettromagnetico</a:t>
+              <a:t>Onde radio</a:t>
             </a:r>
             <a:endParaRPr lang="it-IT" dirty="0"/>
           </a:p>
@@ -3852,7 +4279,9 @@
         </p:nvSpPr>
         <p:spPr/>
         <p:txBody>
-          <a:bodyPr/>
+          <a:bodyPr>
+            <a:normAutofit fontScale="85000" lnSpcReduction="20000"/>
+          </a:bodyPr>
           <a:lstStyle/>
           <a:p>
             <a:pPr marL="0" indent="0">
@@ -3860,57 +4289,163 @@
             </a:pPr>
             <a:r>
               <a:rPr lang="it-IT" dirty="0" smtClean="0"/>
-              <a:t>Si divide in varie categorie tra cui:</a:t>
-            </a:r>
-          </a:p>
-          <a:p>
-            <a:r>
-              <a:rPr lang="it-IT" sz="2000" b="1" dirty="0" smtClean="0"/>
-              <a:t>Raggi gamma</a:t>
-            </a:r>
-          </a:p>
-          <a:p>
-            <a:r>
-              <a:rPr lang="it-IT" sz="2000" b="1" dirty="0" smtClean="0"/>
-              <a:t>Raggi X</a:t>
-            </a:r>
-          </a:p>
-          <a:p>
-            <a:r>
-              <a:rPr lang="it-IT" sz="2000" b="1" dirty="0" smtClean="0"/>
-              <a:t>Ultravioletti</a:t>
-            </a:r>
-          </a:p>
-          <a:p>
-            <a:r>
-              <a:rPr lang="it-IT" sz="2000" b="1" dirty="0" smtClean="0"/>
-              <a:t>Luce visibile</a:t>
-            </a:r>
-          </a:p>
-          <a:p>
-            <a:r>
-              <a:rPr lang="it-IT" sz="2000" b="1" dirty="0" smtClean="0"/>
-              <a:t>Infrarossi</a:t>
-            </a:r>
-          </a:p>
-          <a:p>
-            <a:r>
-              <a:rPr lang="it-IT" sz="2000" b="1" dirty="0" smtClean="0"/>
-              <a:t>Microonde</a:t>
-            </a:r>
-          </a:p>
-          <a:p>
-            <a:r>
-              <a:rPr lang="it-IT" sz="2000" b="1" dirty="0" smtClean="0"/>
-              <a:t>Onde radio</a:t>
-            </a:r>
+              <a:t>Punti chiave:</a:t>
+            </a:r>
+          </a:p>
+          <a:p>
+            <a:pPr marL="0" indent="0">
+              <a:buNone/>
+            </a:pPr>
+            <a:r>
+              <a:rPr lang="it-IT" dirty="0"/>
+              <a:t>Frequenze occupate: tra 0 e 300 </a:t>
+            </a:r>
+            <a:r>
+              <a:rPr lang="it-IT" dirty="0" smtClean="0"/>
+              <a:t>GHz /</a:t>
+            </a:r>
+          </a:p>
+          <a:p>
+            <a:pPr marL="0" indent="0">
+              <a:buNone/>
+            </a:pPr>
+            <a:r>
+              <a:rPr lang="it-IT" dirty="0" smtClean="0"/>
+              <a:t>Possono </a:t>
+            </a:r>
+            <a:r>
+              <a:rPr lang="it-IT" dirty="0" err="1" smtClean="0"/>
+              <a:t>atraverrsare</a:t>
+            </a:r>
+            <a:r>
+              <a:rPr lang="it-IT" dirty="0" smtClean="0"/>
+              <a:t> o meno i materiali</a:t>
+            </a:r>
+          </a:p>
+          <a:p>
+            <a:pPr marL="0" indent="0">
+              <a:buNone/>
+            </a:pPr>
+            <a:r>
+              <a:rPr lang="it-IT" dirty="0" err="1" smtClean="0"/>
+              <a:t>Legistlazione</a:t>
+            </a:r>
+            <a:r>
+              <a:rPr lang="it-IT" dirty="0" smtClean="0"/>
+              <a:t> severa e stringente</a:t>
+            </a:r>
+          </a:p>
+          <a:p>
+            <a:pPr marL="0" indent="0">
+              <a:buNone/>
+            </a:pPr>
+            <a:r>
+              <a:rPr lang="it-IT" dirty="0" smtClean="0"/>
+              <a:t>Suddivisione in canali</a:t>
+            </a:r>
+          </a:p>
+          <a:p>
+            <a:pPr marL="0" indent="0">
+              <a:buNone/>
+            </a:pPr>
+            <a:r>
+              <a:rPr lang="it-IT" dirty="0" err="1" smtClean="0"/>
+              <a:t>Narrow</a:t>
+            </a:r>
+            <a:r>
+              <a:rPr lang="it-IT" dirty="0" smtClean="0"/>
+              <a:t> </a:t>
+            </a:r>
+            <a:r>
+              <a:rPr lang="it-IT" dirty="0" err="1" smtClean="0"/>
+              <a:t>bend</a:t>
+            </a:r>
+            <a:r>
+              <a:rPr lang="it-IT" dirty="0" smtClean="0"/>
+              <a:t> e spread </a:t>
+            </a:r>
+            <a:r>
+              <a:rPr lang="it-IT" dirty="0" err="1" smtClean="0"/>
+              <a:t>spectrum</a:t>
+            </a:r>
+            <a:r>
+              <a:rPr lang="it-IT" dirty="0"/>
+              <a:t> </a:t>
+            </a:r>
+            <a:r>
+              <a:rPr lang="it-IT" dirty="0" smtClean="0"/>
+              <a:t>(focus)</a:t>
+            </a:r>
+            <a:endParaRPr lang="it-IT" dirty="0" smtClean="0"/>
+          </a:p>
+          <a:p>
+            <a:pPr marL="0" indent="0">
+              <a:buNone/>
+            </a:pPr>
+            <a:r>
+              <a:rPr lang="it-IT" dirty="0" smtClean="0"/>
+              <a:t>La </a:t>
+            </a:r>
+            <a:r>
+              <a:rPr lang="it-IT" dirty="0"/>
+              <a:t>quantità di </a:t>
+            </a:r>
+            <a:r>
+              <a:rPr lang="it-IT" dirty="0">
+                <a:hlinkClick r:id="rId2" tooltip="Informazione"/>
+              </a:rPr>
+              <a:t>informazione</a:t>
+            </a:r>
+            <a:r>
+              <a:rPr lang="it-IT" dirty="0"/>
+              <a:t> che può essere trasportata da un segnale radio </a:t>
+            </a:r>
+            <a:r>
+              <a:rPr lang="it-IT" dirty="0" smtClean="0"/>
+              <a:t>è </a:t>
+            </a:r>
+            <a:r>
+              <a:rPr lang="it-IT" dirty="0"/>
+              <a:t>proporzionale alla sua frequenza; </a:t>
+            </a:r>
+            <a:endParaRPr lang="it-IT" dirty="0"/>
+          </a:p>
+          <a:p>
+            <a:pPr marL="0" indent="0">
+              <a:buNone/>
+            </a:pPr>
+            <a:r>
+              <a:rPr lang="it-IT" dirty="0" smtClean="0"/>
+              <a:t>vantaggio </a:t>
+            </a:r>
+            <a:r>
+              <a:rPr lang="it-IT" dirty="0"/>
+              <a:t>delle maggiori lunghezze d'onda è di propagarsi per riflessione ionosferica a distanze </a:t>
+            </a:r>
+            <a:r>
+              <a:rPr lang="it-IT" dirty="0" smtClean="0"/>
+              <a:t>intercontinentali.</a:t>
+            </a:r>
+          </a:p>
+          <a:p>
+            <a:pPr marL="0" indent="0">
+              <a:buNone/>
+            </a:pPr>
+            <a:r>
+              <a:rPr lang="it-IT" dirty="0"/>
+              <a:t/>
+            </a:r>
+            <a:br>
+              <a:rPr lang="it-IT" dirty="0"/>
+            </a:br>
+            <a:endParaRPr lang="it-IT" dirty="0" smtClean="0"/>
           </a:p>
         </p:txBody>
       </p:sp>
     </p:spTree>
     <p:extLst>
       <p:ext uri="{BB962C8B-B14F-4D97-AF65-F5344CB8AC3E}">
-        <p14:creationId xmlns:p14="http://schemas.microsoft.com/office/powerpoint/2010/main" val="1306943813"/>
+        <p14:creationId xmlns:p14="http://schemas.microsoft.com/office/powerpoint/2010/main" val="2507633991"/>
       </p:ext>
     </p:extLst>
   </p:cSld>
@@ -3954,20 +4489,50 @@
           <a:p>
             <a:r>
               <a:rPr lang="it-IT" dirty="0" smtClean="0"/>
-              <a:t>Raggi Gamma</a:t>
+              <a:t>Onde radio</a:t>
             </a:r>
             <a:endParaRPr lang="it-IT" dirty="0"/>
           </a:p>
         </p:txBody>
       </p:sp>
-      <p:sp>
-        <p:nvSpPr>
-          <p:cNvPr id="3" name="Segnaposto contenuto 2"/>
-          <p:cNvSpPr>
-            <a:spLocks noGrp="1"/>
-          </p:cNvSpPr>
-          <p:nvPr>
-            <p:ph idx="1"/>
+    </p:spTree>
+    <p:extLst>
+      <p:ext uri="{BB962C8B-B14F-4D97-AF65-F5344CB8AC3E}">
+        <p14:creationId xmlns:p14="http://schemas.microsoft.com/office/powerpoint/2010/main" val="625565384"/>
+      </p:ext>
+    </p:extLst>
+  </p:cSld>
+  <p:clrMapOvr>
+    <a:masterClrMapping/>
+  </p:clrMapOvr>
+</p:sld>
+</file>
+
+<file path=ppt/slides/slide6.xml><?xml version="1.0" encoding="utf-8"?>
+<p:sld xmlns:a="http://schemas.openxmlformats.org/drawingml/2006/main" xmlns:r="http://schemas.openxmlformats.org/officeDocument/2006/relationships" xmlns:p="http://schemas.openxmlformats.org/presentationml/2006/main">
+  <p:cSld>
+    <p:spTree>
+      <p:nvGrpSpPr>
+        <p:cNvPr id="1" name=""/>
+        <p:cNvGrpSpPr/>
+        <p:nvPr/>
+      </p:nvGrpSpPr>
+      <p:grpSpPr>
+        <a:xfrm>
+          <a:off x="0" y="0"/>
+          <a:ext cx="0" cy="0"/>
+          <a:chOff x="0" y="0"/>
+          <a:chExt cx="0" cy="0"/>
+        </a:xfrm>
+      </p:grpSpPr>
+      <p:sp>
+        <p:nvSpPr>
+          <p:cNvPr id="2" name="Titolo 1"/>
+          <p:cNvSpPr>
+            <a:spLocks noGrp="1"/>
+          </p:cNvSpPr>
+          <p:nvPr>
+            <p:ph type="title"/>
           </p:nvPr>
         </p:nvSpPr>
         <p:spPr/>
@@ -3975,61 +4540,32 @@
           <a:bodyPr/>
           <a:lstStyle/>
           <a:p>
-            <a:pPr marL="0" indent="0">
-              <a:buNone/>
-            </a:pPr>
             <a:r>
               <a:rPr lang="it-IT" dirty="0" smtClean="0"/>
-              <a:t>Usate per: </a:t>
-            </a:r>
-          </a:p>
-          <a:p>
-            <a:r>
-              <a:rPr lang="it-IT" sz="2000" b="1" dirty="0" smtClean="0"/>
-              <a:t>PET:</a:t>
-            </a:r>
-            <a:r>
-              <a:rPr lang="it-IT" dirty="0" smtClean="0"/>
-              <a:t> </a:t>
-            </a:r>
-            <a:r>
-              <a:rPr lang="it-IT" sz="1600" dirty="0" smtClean="0"/>
-              <a:t>per </a:t>
-            </a:r>
-            <a:r>
-              <a:rPr lang="it-IT" sz="1600" dirty="0"/>
-              <a:t>alcuni esami diagnostici di medicina nucleare, come ad esempio la tomografia ad emissione di </a:t>
-            </a:r>
-            <a:r>
-              <a:rPr lang="it-IT" sz="1600" dirty="0" smtClean="0"/>
-              <a:t>positroni.</a:t>
-            </a:r>
-          </a:p>
-          <a:p>
-            <a:pPr marL="0" indent="0">
-              <a:buNone/>
-            </a:pPr>
+              <a:t>Frequenza</a:t>
+            </a:r>
             <a:endParaRPr lang="it-IT" dirty="0"/>
           </a:p>
         </p:txBody>
       </p:sp>
       <p:graphicFrame>
         <p:nvGraphicFramePr>
-          <p:cNvPr id="4" name="Tabella 3"/>
+          <p:cNvPr id="5" name="Segnaposto contenuto 4"/>
           <p:cNvGraphicFramePr>
             <a:graphicFrameLocks noGrp="1"/>
           </p:cNvGraphicFramePr>
           <p:nvPr>
+            <p:ph idx="1"/>
             <p:extLst>
               <p:ext uri="{D42A27DB-BD31-4B8C-83A1-F6EECF244321}">
-                <p14:modId xmlns:p14="http://schemas.microsoft.com/office/powerpoint/2010/main" val="3281604939"/>
+                <p14:modId xmlns:p14="http://schemas.microsoft.com/office/powerpoint/2010/main" val="2847862462"/>
               </p:ext>
             </p:extLst>
           </p:nvPr>
         </p:nvGraphicFramePr>
         <p:xfrm>
-          <a:off x="8120418" y="2961565"/>
-          <a:ext cx="3718258" cy="3095330"/>
+          <a:off x="5183188" y="987425"/>
+          <a:ext cx="6172200" cy="4820920"/>
         </p:xfrm>
         <a:graphic>
           <a:graphicData uri="http://schemas.openxmlformats.org/drawingml/2006/table">
@@ -4038,197 +4574,1261 @@
                 <a:tableStyleId>{5C22544A-7EE6-4342-B048-85BDC9FD1C3A}</a:tableStyleId>
               </a:tblPr>
               <a:tblGrid>
-                <a:gridCol w="1828801"/>
-                <a:gridCol w="1889457"/>
+                <a:gridCol w="2871152"/>
+                <a:gridCol w="1280160"/>
+                <a:gridCol w="2020888"/>
               </a:tblGrid>
-              <a:tr h="420350">
+              <a:tr h="370840">
                 <a:tc>
                   <a:txBody>
                     <a:bodyPr/>
                     <a:lstStyle/>
                     <a:p>
-                      <a:endParaRPr lang="it-IT" dirty="0"/>
+                      <a:pPr algn="ctr"/>
+                      <a:r>
+                        <a:rPr lang="it-IT" sz="1600" b="1" i="0" kern="1200" dirty="0" smtClean="0">
+                          <a:solidFill>
+                            <a:schemeClr val="lt1"/>
+                          </a:solidFill>
+                          <a:effectLst/>
+                          <a:latin typeface="+mn-lt"/>
+                          <a:ea typeface="+mn-ea"/>
+                          <a:cs typeface="+mn-cs"/>
+                        </a:rPr>
+                        <a:t>Banda</a:t>
+                      </a:r>
+                      <a:endParaRPr lang="it-IT" sz="1600" dirty="0"/>
                     </a:p>
                   </a:txBody>
-                  <a:tcPr/>
+                  <a:tcPr anchor="ctr"/>
                 </a:tc>
                 <a:tc>
                   <a:txBody>
                     <a:bodyPr/>
                     <a:lstStyle/>
                     <a:p>
-                      <a:endParaRPr lang="it-IT" dirty="0"/>
+                      <a:pPr algn="ctr"/>
+                      <a:r>
+                        <a:rPr lang="it-IT" sz="1600" b="1" i="0" kern="1200" dirty="0" smtClean="0">
+                          <a:solidFill>
+                            <a:schemeClr val="lt1"/>
+                          </a:solidFill>
+                          <a:effectLst/>
+                          <a:latin typeface="+mn-lt"/>
+                          <a:ea typeface="+mn-ea"/>
+                          <a:cs typeface="+mn-cs"/>
+                        </a:rPr>
+                        <a:t>Frequenza</a:t>
+                      </a:r>
+                      <a:endParaRPr lang="it-IT" sz="1600" dirty="0"/>
                     </a:p>
                   </a:txBody>
-                  <a:tcPr/>
-                </a:tc>
-              </a:tr>
-              <a:tr h="464940">
-                <a:tc>
-                  <a:txBody>
-                    <a:bodyPr/>
-                    <a:lstStyle/>
-                    <a:p>
-                      <a:r>
-                        <a:rPr lang="it-IT" dirty="0" smtClean="0"/>
-                        <a:t>Nocive</a:t>
-                      </a:r>
-                      <a:r>
-                        <a:rPr lang="it-IT" baseline="0" dirty="0" smtClean="0"/>
-                        <a:t> per l’uomo</a:t>
-                      </a:r>
-                      <a:endParaRPr lang="it-IT" dirty="0"/>
-                    </a:p>
-                  </a:txBody>
-                  <a:tcPr/>
+                  <a:tcPr anchor="ctr"/>
                 </a:tc>
                 <a:tc>
                   <a:txBody>
                     <a:bodyPr/>
                     <a:lstStyle/>
                     <a:p>
-                      <a:r>
-                        <a:rPr lang="it-IT" dirty="0" smtClean="0"/>
-                        <a:t>Si</a:t>
-                      </a:r>
-                      <a:r>
-                        <a:rPr lang="it-IT" baseline="0" dirty="0" smtClean="0"/>
-                        <a:t> </a:t>
-                      </a:r>
-                      <a:endParaRPr lang="it-IT" dirty="0"/>
+                      <a:pPr algn="ctr"/>
+                      <a:r>
+                        <a:rPr lang="it-IT" sz="1600" b="1" i="0" kern="1200" dirty="0" smtClean="0">
+                          <a:solidFill>
+                            <a:schemeClr val="lt1"/>
+                          </a:solidFill>
+                          <a:effectLst/>
+                          <a:latin typeface="+mn-lt"/>
+                          <a:ea typeface="+mn-ea"/>
+                          <a:cs typeface="+mn-cs"/>
+                        </a:rPr>
+                        <a:t>Lunghezza d'onda</a:t>
+                      </a:r>
+                      <a:endParaRPr lang="it-IT" sz="1600" dirty="0"/>
                     </a:p>
                   </a:txBody>
-                  <a:tcPr/>
+                  <a:tcPr anchor="ctr"/>
                 </a:tc>
               </a:tr>
-              <a:tr h="464940">
+              <a:tr h="370840">
                 <a:tc>
                   <a:txBody>
                     <a:bodyPr/>
                     <a:lstStyle/>
                     <a:p>
-                      <a:r>
-                        <a:rPr lang="it-IT" dirty="0" smtClean="0"/>
-                        <a:t>Visibili</a:t>
-                      </a:r>
-                      <a:endParaRPr lang="it-IT" dirty="0"/>
+                      <a:pPr algn="ctr"/>
+                      <a:r>
+                        <a:rPr lang="it-IT" sz="1050" dirty="0" smtClean="0"/>
+                        <a:t>ELF (</a:t>
+                      </a:r>
+                      <a:r>
+                        <a:rPr lang="it-IT" sz="1050" dirty="0" err="1" smtClean="0"/>
+                        <a:t>Extremely</a:t>
+                      </a:r>
+                      <a:r>
+                        <a:rPr lang="it-IT" sz="1050" dirty="0" smtClean="0"/>
+                        <a:t> </a:t>
+                      </a:r>
+                      <a:r>
+                        <a:rPr lang="it-IT" sz="1050" dirty="0" err="1" smtClean="0"/>
+                        <a:t>low</a:t>
+                      </a:r>
+                      <a:r>
+                        <a:rPr lang="it-IT" sz="1050" dirty="0" smtClean="0"/>
+                        <a:t> </a:t>
+                      </a:r>
+                      <a:r>
+                        <a:rPr lang="it-IT" sz="1050" dirty="0" err="1" smtClean="0"/>
+                        <a:t>frequency</a:t>
+                      </a:r>
+                      <a:r>
+                        <a:rPr lang="it-IT" sz="1050" dirty="0" smtClean="0"/>
+                        <a:t>)</a:t>
+                      </a:r>
+                      <a:endParaRPr lang="it-IT" sz="1050" dirty="0"/>
                     </a:p>
                   </a:txBody>
-                  <a:tcPr/>
+                  <a:tcPr anchor="ctr"/>
                 </a:tc>
                 <a:tc>
                   <a:txBody>
                     <a:bodyPr/>
                     <a:lstStyle/>
                     <a:p>
-                      <a:r>
-                        <a:rPr lang="it-IT" dirty="0" smtClean="0"/>
-                        <a:t>No</a:t>
-                      </a:r>
-                      <a:endParaRPr lang="it-IT" dirty="0"/>
+                      <a:pPr algn="ctr"/>
+                      <a:r>
+                        <a:rPr lang="it-IT" sz="1050" b="0" i="0" kern="1200" dirty="0" smtClean="0">
+                          <a:solidFill>
+                            <a:schemeClr val="dk1"/>
+                          </a:solidFill>
+                          <a:effectLst/>
+                          <a:latin typeface="+mn-lt"/>
+                          <a:ea typeface="+mn-ea"/>
+                          <a:cs typeface="+mn-cs"/>
+                        </a:rPr>
+                        <a:t>3–30 Hz</a:t>
+                      </a:r>
+                      <a:endParaRPr lang="it-IT" sz="1050" dirty="0"/>
                     </a:p>
                   </a:txBody>
-                  <a:tcPr/>
-                </a:tc>
-              </a:tr>
-              <a:tr h="464940">
-                <a:tc>
-                  <a:txBody>
-                    <a:bodyPr/>
-                    <a:lstStyle/>
-                    <a:p>
-                      <a:r>
-                        <a:rPr lang="it-IT" dirty="0" smtClean="0"/>
-                        <a:t>Si estendono da</a:t>
-                      </a:r>
-                      <a:endParaRPr lang="it-IT" dirty="0"/>
-                    </a:p>
-                  </a:txBody>
-                  <a:tcPr/>
+                  <a:tcPr anchor="ctr"/>
                 </a:tc>
                 <a:tc>
                   <a:txBody>
                     <a:bodyPr/>
                     <a:lstStyle/>
                     <a:p>
-                      <a:r>
-                        <a:rPr lang="it-IT" dirty="0" smtClean="0"/>
-                        <a:t>10</a:t>
-                      </a:r>
-                      <a:r>
-                        <a:rPr lang="it-IT" baseline="30000" dirty="0" smtClean="0"/>
-                        <a:t>22</a:t>
-                      </a:r>
-                      <a:endParaRPr lang="it-IT" dirty="0"/>
+                      <a:pPr algn="ctr"/>
+                      <a:r>
+                        <a:rPr lang="it-IT" sz="1050" b="0" i="0" kern="1200" dirty="0" smtClean="0">
+                          <a:solidFill>
+                            <a:schemeClr val="dk1"/>
+                          </a:solidFill>
+                          <a:effectLst/>
+                          <a:latin typeface="+mn-lt"/>
+                          <a:ea typeface="+mn-ea"/>
+                          <a:cs typeface="+mn-cs"/>
+                        </a:rPr>
+                        <a:t>100.000 km – 10.000 km</a:t>
+                      </a:r>
+                      <a:endParaRPr lang="it-IT" sz="1050" dirty="0"/>
                     </a:p>
                   </a:txBody>
-                  <a:tcPr/>
+                  <a:tcPr anchor="ctr"/>
                 </a:tc>
               </a:tr>
-              <a:tr h="464940">
+              <a:tr h="370840">
                 <a:tc>
                   <a:txBody>
                     <a:bodyPr/>
                     <a:lstStyle/>
                     <a:p>
-                      <a:r>
-                        <a:rPr lang="it-IT" dirty="0" smtClean="0"/>
-                        <a:t>Si</a:t>
-                      </a:r>
-                      <a:r>
-                        <a:rPr lang="it-IT" baseline="0" dirty="0" smtClean="0"/>
-                        <a:t> estende fino a</a:t>
-                      </a:r>
-                      <a:endParaRPr lang="it-IT" dirty="0"/>
+                      <a:pPr algn="ctr"/>
+                      <a:r>
+                        <a:rPr lang="it-IT" sz="1050" dirty="0" smtClean="0"/>
+                        <a:t>SLF (Super </a:t>
+                      </a:r>
+                      <a:r>
+                        <a:rPr lang="it-IT" sz="1050" dirty="0" err="1" smtClean="0"/>
+                        <a:t>low</a:t>
+                      </a:r>
+                      <a:r>
+                        <a:rPr lang="it-IT" sz="1050" dirty="0" smtClean="0"/>
+                        <a:t> </a:t>
+                      </a:r>
+                      <a:r>
+                        <a:rPr lang="it-IT" sz="1050" dirty="0" err="1" smtClean="0"/>
+                        <a:t>frequency</a:t>
+                      </a:r>
+                      <a:r>
+                        <a:rPr lang="it-IT" sz="1050" dirty="0" smtClean="0"/>
+                        <a:t>)</a:t>
+                      </a:r>
+                      <a:endParaRPr lang="it-IT" sz="1050" dirty="0"/>
                     </a:p>
                   </a:txBody>
-                  <a:tcPr/>
+                  <a:tcPr anchor="ctr"/>
                 </a:tc>
                 <a:tc>
                   <a:txBody>
                     <a:bodyPr/>
                     <a:lstStyle/>
                     <a:p>
-                      <a:r>
-                        <a:rPr lang="it-IT" dirty="0" smtClean="0"/>
-                        <a:t>Tendente all’infinito</a:t>
-                      </a:r>
-                      <a:endParaRPr lang="it-IT" dirty="0"/>
+                      <a:pPr algn="ctr"/>
+                      <a:r>
+                        <a:rPr lang="it-IT" sz="1050" b="0" i="0" kern="1200" dirty="0" smtClean="0">
+                          <a:solidFill>
+                            <a:schemeClr val="dk1"/>
+                          </a:solidFill>
+                          <a:effectLst/>
+                          <a:latin typeface="+mn-lt"/>
+                          <a:ea typeface="+mn-ea"/>
+                          <a:cs typeface="+mn-cs"/>
+                        </a:rPr>
+                        <a:t>30–300 Hz</a:t>
+                      </a:r>
+                      <a:endParaRPr lang="it-IT" sz="1050" dirty="0"/>
                     </a:p>
                   </a:txBody>
-                  <a:tcPr/>
-                </a:tc>
-              </a:tr>
-              <a:tr h="464940">
-                <a:tc>
-                  <a:txBody>
-                    <a:bodyPr/>
-                    <a:lstStyle/>
-                    <a:p>
-                      <a:endParaRPr lang="it-IT" dirty="0"/>
-                    </a:p>
-                  </a:txBody>
-                  <a:tcPr/>
+                  <a:tcPr anchor="ctr"/>
                 </a:tc>
                 <a:tc>
                   <a:txBody>
                     <a:bodyPr/>
                     <a:lstStyle/>
                     <a:p>
-                      <a:endParaRPr lang="it-IT" dirty="0"/>
+                      <a:pPr algn="ctr"/>
+                      <a:r>
+                        <a:rPr lang="it-IT" sz="1050" b="0" i="0" kern="1200" dirty="0" smtClean="0">
+                          <a:solidFill>
+                            <a:schemeClr val="dk1"/>
+                          </a:solidFill>
+                          <a:effectLst/>
+                          <a:latin typeface="+mn-lt"/>
+                          <a:ea typeface="+mn-ea"/>
+                          <a:cs typeface="+mn-cs"/>
+                        </a:rPr>
+                        <a:t>10.000 km – 1.000 km</a:t>
+                      </a:r>
+                      <a:endParaRPr lang="it-IT" sz="1050" dirty="0"/>
                     </a:p>
                   </a:txBody>
-                  <a:tcPr/>
+                  <a:tcPr anchor="ctr"/>
+                </a:tc>
+              </a:tr>
+              <a:tr h="370840">
+                <a:tc>
+                  <a:txBody>
+                    <a:bodyPr/>
+                    <a:lstStyle/>
+                    <a:p>
+                      <a:pPr algn="ctr"/>
+                      <a:r>
+                        <a:rPr lang="it-IT" sz="1050" dirty="0" smtClean="0"/>
+                        <a:t>ULF (Ultra </a:t>
+                      </a:r>
+                      <a:r>
+                        <a:rPr lang="it-IT" sz="1050" dirty="0" err="1" smtClean="0"/>
+                        <a:t>low</a:t>
+                      </a:r>
+                      <a:r>
+                        <a:rPr lang="it-IT" sz="1050" dirty="0" smtClean="0"/>
+                        <a:t> </a:t>
+                      </a:r>
+                      <a:r>
+                        <a:rPr lang="it-IT" sz="1050" dirty="0" err="1" smtClean="0"/>
+                        <a:t>frequency</a:t>
+                      </a:r>
+                      <a:r>
+                        <a:rPr lang="it-IT" sz="1050" dirty="0" smtClean="0"/>
+                        <a:t>)</a:t>
+                      </a:r>
+                      <a:endParaRPr lang="it-IT" sz="1050" dirty="0"/>
+                    </a:p>
+                  </a:txBody>
+                  <a:tcPr anchor="ctr"/>
+                </a:tc>
+                <a:tc>
+                  <a:txBody>
+                    <a:bodyPr/>
+                    <a:lstStyle/>
+                    <a:p>
+                      <a:pPr algn="ctr"/>
+                      <a:r>
+                        <a:rPr lang="it-IT" sz="1050" b="0" i="0" kern="1200" dirty="0" smtClean="0">
+                          <a:solidFill>
+                            <a:schemeClr val="dk1"/>
+                          </a:solidFill>
+                          <a:effectLst/>
+                          <a:latin typeface="+mn-lt"/>
+                          <a:ea typeface="+mn-ea"/>
+                          <a:cs typeface="+mn-cs"/>
+                        </a:rPr>
+                        <a:t>300–3000 Hz</a:t>
+                      </a:r>
+                      <a:endParaRPr lang="it-IT" sz="1050" dirty="0"/>
+                    </a:p>
+                  </a:txBody>
+                  <a:tcPr anchor="ctr"/>
+                </a:tc>
+                <a:tc>
+                  <a:txBody>
+                    <a:bodyPr/>
+                    <a:lstStyle/>
+                    <a:p>
+                      <a:pPr algn="ctr"/>
+                      <a:r>
+                        <a:rPr lang="it-IT" sz="1050" b="0" i="0" kern="1200" dirty="0" smtClean="0">
+                          <a:solidFill>
+                            <a:schemeClr val="dk1"/>
+                          </a:solidFill>
+                          <a:effectLst/>
+                          <a:latin typeface="+mn-lt"/>
+                          <a:ea typeface="+mn-ea"/>
+                          <a:cs typeface="+mn-cs"/>
+                        </a:rPr>
+                        <a:t>1.000 km – 100 km</a:t>
+                      </a:r>
+                      <a:endParaRPr lang="it-IT" sz="1050" dirty="0"/>
+                    </a:p>
+                  </a:txBody>
+                  <a:tcPr anchor="ctr"/>
+                </a:tc>
+              </a:tr>
+              <a:tr h="370840">
+                <a:tc>
+                  <a:txBody>
+                    <a:bodyPr/>
+                    <a:lstStyle/>
+                    <a:p>
+                      <a:pPr algn="ctr"/>
+                      <a:r>
+                        <a:rPr lang="it-IT" sz="1050" dirty="0" smtClean="0"/>
+                        <a:t>VLF (</a:t>
+                      </a:r>
+                      <a:r>
+                        <a:rPr lang="it-IT" sz="1050" dirty="0" err="1" smtClean="0"/>
+                        <a:t>Very</a:t>
+                      </a:r>
+                      <a:r>
+                        <a:rPr lang="it-IT" sz="1050" dirty="0" smtClean="0"/>
+                        <a:t> </a:t>
+                      </a:r>
+                      <a:r>
+                        <a:rPr lang="it-IT" sz="1050" dirty="0" err="1" smtClean="0"/>
+                        <a:t>low</a:t>
+                      </a:r>
+                      <a:r>
+                        <a:rPr lang="it-IT" sz="1050" dirty="0" smtClean="0"/>
+                        <a:t> </a:t>
+                      </a:r>
+                      <a:r>
+                        <a:rPr lang="it-IT" sz="1050" dirty="0" err="1" smtClean="0"/>
+                        <a:t>frequency</a:t>
+                      </a:r>
+                      <a:r>
+                        <a:rPr lang="it-IT" sz="1050" dirty="0" smtClean="0"/>
+                        <a:t>)</a:t>
+                      </a:r>
+                      <a:endParaRPr lang="it-IT" sz="1050" dirty="0"/>
+                    </a:p>
+                  </a:txBody>
+                  <a:tcPr anchor="ctr"/>
+                </a:tc>
+                <a:tc>
+                  <a:txBody>
+                    <a:bodyPr/>
+                    <a:lstStyle/>
+                    <a:p>
+                      <a:pPr algn="ctr"/>
+                      <a:r>
+                        <a:rPr lang="it-IT" sz="1050" dirty="0" smtClean="0"/>
+                        <a:t>3–30 kHz</a:t>
+                      </a:r>
+                      <a:endParaRPr lang="it-IT" sz="1050" dirty="0"/>
+                    </a:p>
+                  </a:txBody>
+                  <a:tcPr anchor="ctr"/>
+                </a:tc>
+                <a:tc>
+                  <a:txBody>
+                    <a:bodyPr/>
+                    <a:lstStyle/>
+                    <a:p>
+                      <a:pPr algn="ctr"/>
+                      <a:r>
+                        <a:rPr lang="it-IT" sz="1050" dirty="0"/>
+                        <a:t>100 km – 10 km</a:t>
+                      </a:r>
+                    </a:p>
+                  </a:txBody>
+                  <a:tcPr marL="28575" marR="28575" marT="28575" marB="28575" anchor="ctr"/>
+                </a:tc>
+              </a:tr>
+              <a:tr h="370840">
+                <a:tc>
+                  <a:txBody>
+                    <a:bodyPr/>
+                    <a:lstStyle/>
+                    <a:p>
+                      <a:pPr algn="ctr"/>
+                      <a:r>
+                        <a:rPr lang="it-IT" sz="1050" dirty="0" smtClean="0"/>
+                        <a:t>LF (</a:t>
+                      </a:r>
+                      <a:r>
+                        <a:rPr lang="it-IT" sz="1050" dirty="0" err="1" smtClean="0"/>
+                        <a:t>Low</a:t>
+                      </a:r>
+                      <a:r>
+                        <a:rPr lang="it-IT" sz="1050" dirty="0" smtClean="0"/>
+                        <a:t> </a:t>
+                      </a:r>
+                      <a:r>
+                        <a:rPr lang="it-IT" sz="1050" dirty="0" err="1" smtClean="0"/>
+                        <a:t>frequency</a:t>
+                      </a:r>
+                      <a:r>
+                        <a:rPr lang="it-IT" sz="1050" dirty="0" smtClean="0"/>
+                        <a:t>)</a:t>
+                      </a:r>
+                      <a:endParaRPr lang="it-IT" sz="1050" dirty="0"/>
+                    </a:p>
+                  </a:txBody>
+                  <a:tcPr anchor="ctr"/>
+                </a:tc>
+                <a:tc>
+                  <a:txBody>
+                    <a:bodyPr/>
+                    <a:lstStyle/>
+                    <a:p>
+                      <a:pPr algn="ctr"/>
+                      <a:r>
+                        <a:rPr lang="it-IT" sz="1050" b="0" i="0" kern="1200" dirty="0" smtClean="0">
+                          <a:solidFill>
+                            <a:schemeClr val="dk1"/>
+                          </a:solidFill>
+                          <a:effectLst/>
+                          <a:latin typeface="+mn-lt"/>
+                          <a:ea typeface="+mn-ea"/>
+                          <a:cs typeface="+mn-cs"/>
+                        </a:rPr>
+                        <a:t>30–300 kHz</a:t>
+                      </a:r>
+                      <a:endParaRPr lang="it-IT" sz="1050" dirty="0"/>
+                    </a:p>
+                  </a:txBody>
+                  <a:tcPr anchor="ctr"/>
+                </a:tc>
+                <a:tc>
+                  <a:txBody>
+                    <a:bodyPr/>
+                    <a:lstStyle/>
+                    <a:p>
+                      <a:pPr algn="ctr"/>
+                      <a:r>
+                        <a:rPr lang="it-IT" sz="1050" dirty="0"/>
+                        <a:t>10 km – 1 km</a:t>
+                      </a:r>
+                    </a:p>
+                  </a:txBody>
+                  <a:tcPr marL="28575" marR="28575" marT="28575" marB="28575" anchor="ctr"/>
+                </a:tc>
+              </a:tr>
+              <a:tr h="370840">
+                <a:tc>
+                  <a:txBody>
+                    <a:bodyPr/>
+                    <a:lstStyle/>
+                    <a:p>
+                      <a:pPr algn="ctr"/>
+                      <a:r>
+                        <a:rPr lang="it-IT" sz="1050" dirty="0" smtClean="0"/>
+                        <a:t>MF (Medium </a:t>
+                      </a:r>
+                      <a:r>
+                        <a:rPr lang="it-IT" sz="1050" dirty="0" err="1" smtClean="0"/>
+                        <a:t>frequency</a:t>
+                      </a:r>
+                      <a:r>
+                        <a:rPr lang="it-IT" sz="1050" dirty="0" smtClean="0"/>
+                        <a:t>)</a:t>
+                      </a:r>
+                      <a:endParaRPr lang="it-IT" sz="1050" dirty="0"/>
+                    </a:p>
+                  </a:txBody>
+                  <a:tcPr anchor="ctr"/>
+                </a:tc>
+                <a:tc>
+                  <a:txBody>
+                    <a:bodyPr/>
+                    <a:lstStyle/>
+                    <a:p>
+                      <a:pPr algn="ctr"/>
+                      <a:r>
+                        <a:rPr lang="it-IT" sz="1050" b="0" i="0" kern="1200" dirty="0" smtClean="0">
+                          <a:solidFill>
+                            <a:schemeClr val="dk1"/>
+                          </a:solidFill>
+                          <a:effectLst/>
+                          <a:latin typeface="+mn-lt"/>
+                          <a:ea typeface="+mn-ea"/>
+                          <a:cs typeface="+mn-cs"/>
+                        </a:rPr>
+                        <a:t>300–3000 kHz</a:t>
+                      </a:r>
+                      <a:endParaRPr lang="it-IT" sz="1050" dirty="0"/>
+                    </a:p>
+                  </a:txBody>
+                  <a:tcPr anchor="ctr"/>
+                </a:tc>
+                <a:tc>
+                  <a:txBody>
+                    <a:bodyPr/>
+                    <a:lstStyle/>
+                    <a:p>
+                      <a:pPr algn="ctr"/>
+                      <a:r>
+                        <a:rPr lang="it-IT" sz="1050" dirty="0" smtClean="0"/>
+                        <a:t>1 km – 100 m</a:t>
+                      </a:r>
+                      <a:endParaRPr lang="it-IT" sz="1050" dirty="0"/>
+                    </a:p>
+                  </a:txBody>
+                  <a:tcPr anchor="ctr"/>
+                </a:tc>
+              </a:tr>
+              <a:tr h="370840">
+                <a:tc>
+                  <a:txBody>
+                    <a:bodyPr/>
+                    <a:lstStyle/>
+                    <a:p>
+                      <a:pPr algn="ctr"/>
+                      <a:r>
+                        <a:rPr lang="it-IT" sz="1050" dirty="0" smtClean="0"/>
+                        <a:t>HF (High </a:t>
+                      </a:r>
+                      <a:r>
+                        <a:rPr lang="it-IT" sz="1050" dirty="0" err="1" smtClean="0"/>
+                        <a:t>frequency</a:t>
+                      </a:r>
+                      <a:r>
+                        <a:rPr lang="it-IT" sz="1050" dirty="0" smtClean="0"/>
+                        <a:t>)</a:t>
+                      </a:r>
+                      <a:endParaRPr lang="it-IT" sz="1050" dirty="0"/>
+                    </a:p>
+                  </a:txBody>
+                  <a:tcPr anchor="ctr"/>
+                </a:tc>
+                <a:tc>
+                  <a:txBody>
+                    <a:bodyPr/>
+                    <a:lstStyle/>
+                    <a:p>
+                      <a:pPr algn="ctr"/>
+                      <a:r>
+                        <a:rPr lang="it-IT" sz="1050" dirty="0" smtClean="0"/>
+                        <a:t>3–30 MHz</a:t>
+                      </a:r>
+                      <a:endParaRPr lang="it-IT" sz="1050" dirty="0"/>
+                    </a:p>
+                  </a:txBody>
+                  <a:tcPr anchor="ctr"/>
+                </a:tc>
+                <a:tc>
+                  <a:txBody>
+                    <a:bodyPr/>
+                    <a:lstStyle/>
+                    <a:p>
+                      <a:pPr algn="ctr"/>
+                      <a:r>
+                        <a:rPr lang="it-IT" sz="1050" b="0" i="0" kern="1200" dirty="0" smtClean="0">
+                          <a:solidFill>
+                            <a:schemeClr val="dk1"/>
+                          </a:solidFill>
+                          <a:effectLst/>
+                          <a:latin typeface="+mn-lt"/>
+                          <a:ea typeface="+mn-ea"/>
+                          <a:cs typeface="+mn-cs"/>
+                        </a:rPr>
+                        <a:t>100 m – 10 m</a:t>
+                      </a:r>
+                      <a:endParaRPr lang="it-IT" sz="1050" dirty="0"/>
+                    </a:p>
+                  </a:txBody>
+                  <a:tcPr anchor="ctr"/>
+                </a:tc>
+              </a:tr>
+              <a:tr h="370840">
+                <a:tc>
+                  <a:txBody>
+                    <a:bodyPr/>
+                    <a:lstStyle/>
+                    <a:p>
+                      <a:pPr algn="ctr"/>
+                      <a:r>
+                        <a:rPr lang="it-IT" sz="1050" dirty="0" smtClean="0"/>
+                        <a:t>VHF (</a:t>
+                      </a:r>
+                      <a:r>
+                        <a:rPr lang="it-IT" sz="1050" dirty="0" err="1" smtClean="0"/>
+                        <a:t>Very</a:t>
+                      </a:r>
+                      <a:r>
+                        <a:rPr lang="it-IT" sz="1050" dirty="0" smtClean="0"/>
+                        <a:t> high </a:t>
+                      </a:r>
+                      <a:r>
+                        <a:rPr lang="it-IT" sz="1050" dirty="0" err="1" smtClean="0"/>
+                        <a:t>frequency</a:t>
+                      </a:r>
+                      <a:r>
+                        <a:rPr lang="it-IT" sz="1050" dirty="0" smtClean="0"/>
+                        <a:t>)</a:t>
+                      </a:r>
+                      <a:endParaRPr lang="it-IT" sz="1050" dirty="0"/>
+                    </a:p>
+                  </a:txBody>
+                  <a:tcPr anchor="ctr"/>
+                </a:tc>
+                <a:tc>
+                  <a:txBody>
+                    <a:bodyPr/>
+                    <a:lstStyle/>
+                    <a:p>
+                      <a:pPr algn="ctr"/>
+                      <a:r>
+                        <a:rPr lang="it-IT" sz="1050" b="0" i="0" kern="1200" dirty="0" smtClean="0">
+                          <a:solidFill>
+                            <a:schemeClr val="dk1"/>
+                          </a:solidFill>
+                          <a:effectLst/>
+                          <a:latin typeface="+mn-lt"/>
+                          <a:ea typeface="+mn-ea"/>
+                          <a:cs typeface="+mn-cs"/>
+                        </a:rPr>
+                        <a:t>30–300 MHz</a:t>
+                      </a:r>
+                      <a:endParaRPr lang="it-IT" sz="1050" dirty="0"/>
+                    </a:p>
+                  </a:txBody>
+                  <a:tcPr anchor="ctr"/>
+                </a:tc>
+                <a:tc>
+                  <a:txBody>
+                    <a:bodyPr/>
+                    <a:lstStyle/>
+                    <a:p>
+                      <a:pPr algn="ctr"/>
+                      <a:r>
+                        <a:rPr lang="it-IT" sz="1050" b="0" i="0" kern="1200" dirty="0" smtClean="0">
+                          <a:solidFill>
+                            <a:schemeClr val="dk1"/>
+                          </a:solidFill>
+                          <a:effectLst/>
+                          <a:latin typeface="+mn-lt"/>
+                          <a:ea typeface="+mn-ea"/>
+                          <a:cs typeface="+mn-cs"/>
+                        </a:rPr>
+                        <a:t>10 m – 1 m</a:t>
+                      </a:r>
+                      <a:endParaRPr lang="it-IT" sz="1050" dirty="0"/>
+                    </a:p>
+                  </a:txBody>
+                  <a:tcPr anchor="ctr"/>
+                </a:tc>
+              </a:tr>
+              <a:tr h="370840">
+                <a:tc>
+                  <a:txBody>
+                    <a:bodyPr/>
+                    <a:lstStyle/>
+                    <a:p>
+                      <a:pPr algn="ctr"/>
+                      <a:r>
+                        <a:rPr lang="it-IT" sz="1050" dirty="0" smtClean="0"/>
+                        <a:t>UHF (Ultra high </a:t>
+                      </a:r>
+                      <a:r>
+                        <a:rPr lang="it-IT" sz="1050" dirty="0" err="1" smtClean="0"/>
+                        <a:t>frequency</a:t>
+                      </a:r>
+                      <a:r>
+                        <a:rPr lang="it-IT" sz="1050" dirty="0" smtClean="0"/>
+                        <a:t>)</a:t>
+                      </a:r>
+                      <a:endParaRPr lang="it-IT" sz="1050" dirty="0"/>
+                    </a:p>
+                  </a:txBody>
+                  <a:tcPr anchor="ctr"/>
+                </a:tc>
+                <a:tc>
+                  <a:txBody>
+                    <a:bodyPr/>
+                    <a:lstStyle/>
+                    <a:p>
+                      <a:pPr algn="ctr"/>
+                      <a:r>
+                        <a:rPr lang="it-IT" sz="1050" b="0" i="0" kern="1200" dirty="0" smtClean="0">
+                          <a:solidFill>
+                            <a:schemeClr val="dk1"/>
+                          </a:solidFill>
+                          <a:effectLst/>
+                          <a:latin typeface="+mn-lt"/>
+                          <a:ea typeface="+mn-ea"/>
+                          <a:cs typeface="+mn-cs"/>
+                        </a:rPr>
+                        <a:t>300–3000 MHz</a:t>
+                      </a:r>
+                      <a:endParaRPr lang="it-IT" sz="1050" dirty="0"/>
+                    </a:p>
+                  </a:txBody>
+                  <a:tcPr anchor="ctr"/>
+                </a:tc>
+                <a:tc>
+                  <a:txBody>
+                    <a:bodyPr/>
+                    <a:lstStyle/>
+                    <a:p>
+                      <a:pPr algn="ctr"/>
+                      <a:r>
+                        <a:rPr lang="it-IT" sz="1050" dirty="0" smtClean="0"/>
+                        <a:t>1 m – 100 mm</a:t>
+                      </a:r>
+                      <a:endParaRPr lang="it-IT" sz="1050" dirty="0"/>
+                    </a:p>
+                  </a:txBody>
+                  <a:tcPr anchor="ctr"/>
+                </a:tc>
+              </a:tr>
+              <a:tr h="370840">
+                <a:tc>
+                  <a:txBody>
+                    <a:bodyPr/>
+                    <a:lstStyle/>
+                    <a:p>
+                      <a:pPr algn="ctr"/>
+                      <a:r>
+                        <a:rPr lang="it-IT" sz="1050" dirty="0" smtClean="0"/>
+                        <a:t>SHF (Super high </a:t>
+                      </a:r>
+                      <a:r>
+                        <a:rPr lang="it-IT" sz="1050" dirty="0" err="1" smtClean="0"/>
+                        <a:t>frequency</a:t>
+                      </a:r>
+                      <a:r>
+                        <a:rPr lang="it-IT" sz="1050" dirty="0" smtClean="0"/>
+                        <a:t>)</a:t>
+                      </a:r>
+                      <a:endParaRPr lang="it-IT" sz="1050" dirty="0"/>
+                    </a:p>
+                  </a:txBody>
+                  <a:tcPr anchor="ctr"/>
+                </a:tc>
+                <a:tc>
+                  <a:txBody>
+                    <a:bodyPr/>
+                    <a:lstStyle/>
+                    <a:p>
+                      <a:pPr algn="ctr"/>
+                      <a:r>
+                        <a:rPr lang="it-IT" sz="1050" b="0" i="0" kern="1200" dirty="0" smtClean="0">
+                          <a:solidFill>
+                            <a:schemeClr val="dk1"/>
+                          </a:solidFill>
+                          <a:effectLst/>
+                          <a:latin typeface="+mn-lt"/>
+                          <a:ea typeface="+mn-ea"/>
+                          <a:cs typeface="+mn-cs"/>
+                        </a:rPr>
+                        <a:t>3–30 GHz</a:t>
+                      </a:r>
+                      <a:endParaRPr lang="it-IT" sz="1050" dirty="0"/>
+                    </a:p>
+                  </a:txBody>
+                  <a:tcPr anchor="ctr"/>
+                </a:tc>
+                <a:tc>
+                  <a:txBody>
+                    <a:bodyPr/>
+                    <a:lstStyle/>
+                    <a:p>
+                      <a:pPr algn="ctr"/>
+                      <a:r>
+                        <a:rPr lang="it-IT" sz="1050" dirty="0" smtClean="0"/>
+                        <a:t>100 mm – 10 mm</a:t>
+                      </a:r>
+                      <a:endParaRPr lang="it-IT" sz="1050" dirty="0"/>
+                    </a:p>
+                  </a:txBody>
+                  <a:tcPr anchor="ctr"/>
+                </a:tc>
+              </a:tr>
+              <a:tr h="370840">
+                <a:tc>
+                  <a:txBody>
+                    <a:bodyPr/>
+                    <a:lstStyle/>
+                    <a:p>
+                      <a:pPr algn="ctr"/>
+                      <a:r>
+                        <a:rPr lang="it-IT" sz="1050" dirty="0" smtClean="0"/>
+                        <a:t>EHF (</a:t>
+                      </a:r>
+                      <a:r>
+                        <a:rPr lang="it-IT" sz="1050" dirty="0" err="1" smtClean="0"/>
+                        <a:t>Extremely</a:t>
+                      </a:r>
+                      <a:r>
+                        <a:rPr lang="it-IT" sz="1050" dirty="0" smtClean="0"/>
+                        <a:t> high </a:t>
+                      </a:r>
+                      <a:r>
+                        <a:rPr lang="it-IT" sz="1050" dirty="0" err="1" smtClean="0"/>
+                        <a:t>frequency</a:t>
+                      </a:r>
+                      <a:r>
+                        <a:rPr lang="it-IT" sz="1050" dirty="0" smtClean="0"/>
+                        <a:t>)</a:t>
+                      </a:r>
+                    </a:p>
+                  </a:txBody>
+                  <a:tcPr anchor="ctr"/>
+                </a:tc>
+                <a:tc>
+                  <a:txBody>
+                    <a:bodyPr/>
+                    <a:lstStyle/>
+                    <a:p>
+                      <a:pPr algn="ctr"/>
+                      <a:r>
+                        <a:rPr lang="it-IT" sz="1050" b="0" i="0" kern="1200" dirty="0" smtClean="0">
+                          <a:solidFill>
+                            <a:schemeClr val="dk1"/>
+                          </a:solidFill>
+                          <a:effectLst/>
+                          <a:latin typeface="+mn-lt"/>
+                          <a:ea typeface="+mn-ea"/>
+                          <a:cs typeface="+mn-cs"/>
+                        </a:rPr>
+                        <a:t>30–300 GHz</a:t>
+                      </a:r>
+                      <a:endParaRPr lang="it-IT" sz="1050" dirty="0"/>
+                    </a:p>
+                  </a:txBody>
+                  <a:tcPr anchor="ctr"/>
+                </a:tc>
+                <a:tc>
+                  <a:txBody>
+                    <a:bodyPr/>
+                    <a:lstStyle/>
+                    <a:p>
+                      <a:pPr algn="ctr"/>
+                      <a:r>
+                        <a:rPr lang="it-IT" sz="1050" dirty="0" smtClean="0"/>
+                        <a:t>10 mm – 1 mm	</a:t>
+                      </a:r>
+                      <a:endParaRPr lang="it-IT" sz="1050" dirty="0"/>
+                    </a:p>
+                  </a:txBody>
+                  <a:tcPr anchor="ctr"/>
+                </a:tc>
+              </a:tr>
+              <a:tr h="370840">
+                <a:tc>
+                  <a:txBody>
+                    <a:bodyPr/>
+                    <a:lstStyle/>
+                    <a:p>
+                      <a:pPr algn="ctr"/>
+                      <a:r>
+                        <a:rPr lang="it-IT" sz="1050" dirty="0" smtClean="0"/>
+                        <a:t>THF (</a:t>
+                      </a:r>
+                      <a:r>
+                        <a:rPr lang="it-IT" sz="1050" dirty="0" err="1" smtClean="0"/>
+                        <a:t>Tremendously</a:t>
+                      </a:r>
+                      <a:r>
+                        <a:rPr lang="it-IT" sz="1050" dirty="0" smtClean="0"/>
+                        <a:t> high </a:t>
+                      </a:r>
+                      <a:r>
+                        <a:rPr lang="it-IT" sz="1050" dirty="0" err="1" smtClean="0"/>
+                        <a:t>frequency</a:t>
+                      </a:r>
+                      <a:r>
+                        <a:rPr lang="it-IT" sz="1050" dirty="0" smtClean="0"/>
+                        <a:t>)</a:t>
+                      </a:r>
+                    </a:p>
+                  </a:txBody>
+                  <a:tcPr anchor="ctr"/>
+                </a:tc>
+                <a:tc>
+                  <a:txBody>
+                    <a:bodyPr/>
+                    <a:lstStyle/>
+                    <a:p>
+                      <a:pPr algn="ctr"/>
+                      <a:r>
+                        <a:rPr lang="it-IT" sz="1050" b="0" i="0" kern="1200" dirty="0" smtClean="0">
+                          <a:solidFill>
+                            <a:schemeClr val="dk1"/>
+                          </a:solidFill>
+                          <a:effectLst/>
+                          <a:latin typeface="+mn-lt"/>
+                          <a:ea typeface="+mn-ea"/>
+                          <a:cs typeface="+mn-cs"/>
+                        </a:rPr>
+                        <a:t>300-3000 GHz</a:t>
+                      </a:r>
+                      <a:endParaRPr lang="it-IT" sz="1050" dirty="0"/>
+                    </a:p>
+                  </a:txBody>
+                  <a:tcPr anchor="ctr"/>
+                </a:tc>
+                <a:tc>
+                  <a:txBody>
+                    <a:bodyPr/>
+                    <a:lstStyle/>
+                    <a:p>
+                      <a:pPr algn="ctr"/>
+                      <a:r>
+                        <a:rPr lang="it-IT" sz="1050" dirty="0" smtClean="0"/>
+                        <a:t>1 mm - 100 micrometro</a:t>
+                      </a:r>
+                      <a:endParaRPr lang="it-IT" sz="1050" dirty="0"/>
+                    </a:p>
+                  </a:txBody>
+                  <a:tcPr anchor="ctr"/>
                 </a:tc>
               </a:tr>
             </a:tbl>
           </a:graphicData>
         </a:graphic>
       </p:graphicFrame>
+      <p:sp>
+        <p:nvSpPr>
+          <p:cNvPr id="4" name="Segnaposto testo 3"/>
+          <p:cNvSpPr>
+            <a:spLocks noGrp="1"/>
+          </p:cNvSpPr>
+          <p:nvPr>
+            <p:ph type="body" sz="half" idx="2"/>
+          </p:nvPr>
+        </p:nvSpPr>
+        <p:spPr/>
+        <p:txBody>
+          <a:bodyPr/>
+          <a:lstStyle/>
+          <a:p>
+            <a:r>
+              <a:rPr lang="it-IT" dirty="0" smtClean="0"/>
+              <a:t>Le principali frequenze delle onde radio vanno da 0 a 3000 GHz.</a:t>
+            </a:r>
+            <a:endParaRPr lang="it-IT" dirty="0"/>
+          </a:p>
+        </p:txBody>
+      </p:sp>
     </p:spTree>
     <p:extLst>
       <p:ext uri="{BB962C8B-B14F-4D97-AF65-F5344CB8AC3E}">
-        <p14:creationId xmlns:p14="http://schemas.microsoft.com/office/powerpoint/2010/main" val="3406263562"/>
+        <p14:creationId xmlns:p14="http://schemas.microsoft.com/office/powerpoint/2010/main" val="2774242133"/>
+      </p:ext>
+    </p:extLst>
+  </p:cSld>
+  <p:clrMapOvr>
+    <a:masterClrMapping/>
+  </p:clrMapOvr>
+</p:sld>
+</file>
+
+<file path=ppt/slides/slide7.xml><?xml version="1.0" encoding="utf-8"?>
+<p:sld xmlns:a="http://schemas.openxmlformats.org/drawingml/2006/main" xmlns:r="http://schemas.openxmlformats.org/officeDocument/2006/relationships" xmlns:p="http://schemas.openxmlformats.org/presentationml/2006/main">
+  <p:cSld>
+    <p:spTree>
+      <p:nvGrpSpPr>
+        <p:cNvPr id="1" name=""/>
+        <p:cNvGrpSpPr/>
+        <p:nvPr/>
+      </p:nvGrpSpPr>
+      <p:grpSpPr>
+        <a:xfrm>
+          <a:off x="0" y="0"/>
+          <a:ext cx="0" cy="0"/>
+          <a:chOff x="0" y="0"/>
+          <a:chExt cx="0" cy="0"/>
+        </a:xfrm>
+      </p:grpSpPr>
+      <p:sp>
+        <p:nvSpPr>
+          <p:cNvPr id="2" name="Titolo 1"/>
+          <p:cNvSpPr>
+            <a:spLocks noGrp="1"/>
+          </p:cNvSpPr>
+          <p:nvPr>
+            <p:ph type="title"/>
+          </p:nvPr>
+        </p:nvSpPr>
+        <p:spPr/>
+        <p:txBody>
+          <a:bodyPr/>
+          <a:lstStyle/>
+          <a:p>
+            <a:r>
+              <a:rPr lang="it-IT" dirty="0" smtClean="0"/>
+              <a:t>Propagazione onde radio</a:t>
+            </a:r>
+            <a:endParaRPr lang="it-IT" dirty="0"/>
+          </a:p>
+        </p:txBody>
+      </p:sp>
+      <p:sp>
+        <p:nvSpPr>
+          <p:cNvPr id="3" name="Segnaposto contenuto 2"/>
+          <p:cNvSpPr>
+            <a:spLocks noGrp="1"/>
+          </p:cNvSpPr>
+          <p:nvPr>
+            <p:ph idx="1"/>
+          </p:nvPr>
+        </p:nvSpPr>
+        <p:spPr/>
+        <p:txBody>
+          <a:bodyPr/>
+          <a:lstStyle/>
+          <a:p>
+            <a:endParaRPr lang="it-IT"/>
+          </a:p>
+        </p:txBody>
+      </p:sp>
+      <p:sp>
+        <p:nvSpPr>
+          <p:cNvPr id="4" name="Segnaposto testo 3"/>
+          <p:cNvSpPr>
+            <a:spLocks noGrp="1"/>
+          </p:cNvSpPr>
+          <p:nvPr>
+            <p:ph type="body" sz="half" idx="2"/>
+          </p:nvPr>
+        </p:nvSpPr>
+        <p:spPr/>
+        <p:txBody>
+          <a:bodyPr/>
+          <a:lstStyle/>
+          <a:p>
+            <a:r>
+              <a:rPr lang="it-IT" dirty="0" smtClean="0"/>
+              <a:t>In mancanza di ostacoli od altri fenomeni dissipativi, il campo elettromagnetico si propaga all’infinito riducendo la sua energia in ragione del quadrato della distanza. </a:t>
+            </a:r>
+            <a:br>
+              <a:rPr lang="it-IT" dirty="0" smtClean="0"/>
+            </a:br>
+            <a:endParaRPr lang="it-IT" dirty="0" smtClean="0"/>
+          </a:p>
+          <a:p>
+            <a:r>
+              <a:rPr lang="it-IT" dirty="0" smtClean="0"/>
+              <a:t>La penetrazione dei materiali da parte delle onde radio è dipesa particolarmente da la lunghezza d’ onda. Più essa tende ad essere corta meno sarà la propagazione</a:t>
+            </a:r>
+          </a:p>
+        </p:txBody>
+      </p:sp>
+    </p:spTree>
+    <p:extLst>
+      <p:ext uri="{BB962C8B-B14F-4D97-AF65-F5344CB8AC3E}">
+        <p14:creationId xmlns:p14="http://schemas.microsoft.com/office/powerpoint/2010/main" val="2587161032"/>
+      </p:ext>
+    </p:extLst>
+  </p:cSld>
+  <p:clrMapOvr>
+    <a:masterClrMapping/>
+  </p:clrMapOvr>
+</p:sld>
+</file>
+
+<file path=ppt/slides/slide8.xml><?xml version="1.0" encoding="utf-8"?>
+<p:sld xmlns:a="http://schemas.openxmlformats.org/drawingml/2006/main" xmlns:r="http://schemas.openxmlformats.org/officeDocument/2006/relationships" xmlns:p="http://schemas.openxmlformats.org/presentationml/2006/main">
+  <p:cSld>
+    <p:spTree>
+      <p:nvGrpSpPr>
+        <p:cNvPr id="1" name=""/>
+        <p:cNvGrpSpPr/>
+        <p:nvPr/>
+      </p:nvGrpSpPr>
+      <p:grpSpPr>
+        <a:xfrm>
+          <a:off x="0" y="0"/>
+          <a:ext cx="0" cy="0"/>
+          <a:chOff x="0" y="0"/>
+          <a:chExt cx="0" cy="0"/>
+        </a:xfrm>
+      </p:grpSpPr>
+      <p:sp>
+        <p:nvSpPr>
+          <p:cNvPr id="2" name="Titolo 1"/>
+          <p:cNvSpPr>
+            <a:spLocks noGrp="1"/>
+          </p:cNvSpPr>
+          <p:nvPr>
+            <p:ph type="title"/>
+          </p:nvPr>
+        </p:nvSpPr>
+        <p:spPr/>
+        <p:txBody>
+          <a:bodyPr/>
+          <a:lstStyle/>
+          <a:p>
+            <a:endParaRPr lang="it-IT" dirty="0"/>
+          </a:p>
+        </p:txBody>
+      </p:sp>
+      <p:sp>
+        <p:nvSpPr>
+          <p:cNvPr id="3" name="Segnaposto contenuto 2"/>
+          <p:cNvSpPr>
+            <a:spLocks noGrp="1"/>
+          </p:cNvSpPr>
+          <p:nvPr>
+            <p:ph idx="1"/>
+          </p:nvPr>
+        </p:nvSpPr>
+        <p:spPr/>
+        <p:txBody>
+          <a:bodyPr/>
+          <a:lstStyle/>
+          <a:p>
+            <a:endParaRPr lang="it-IT"/>
+          </a:p>
+        </p:txBody>
+      </p:sp>
+    </p:spTree>
+    <p:extLst>
+      <p:ext uri="{BB962C8B-B14F-4D97-AF65-F5344CB8AC3E}">
+        <p14:creationId xmlns:p14="http://schemas.microsoft.com/office/powerpoint/2010/main" val="2709355013"/>
+      </p:ext>
+    </p:extLst>
+  </p:cSld>
+  <p:clrMapOvr>
+    <a:masterClrMapping/>
+  </p:clrMapOvr>
+</p:sld>
+</file>
+
+<file path=ppt/slides/slide9.xml><?xml version="1.0" encoding="utf-8"?>
+<p:sld xmlns:a="http://schemas.openxmlformats.org/drawingml/2006/main" xmlns:r="http://schemas.openxmlformats.org/officeDocument/2006/relationships" xmlns:p="http://schemas.openxmlformats.org/presentationml/2006/main">
+  <p:cSld>
+    <p:spTree>
+      <p:nvGrpSpPr>
+        <p:cNvPr id="1" name=""/>
+        <p:cNvGrpSpPr/>
+        <p:nvPr/>
+      </p:nvGrpSpPr>
+      <p:grpSpPr>
+        <a:xfrm>
+          <a:off x="0" y="0"/>
+          <a:ext cx="0" cy="0"/>
+          <a:chOff x="0" y="0"/>
+          <a:chExt cx="0" cy="0"/>
+        </a:xfrm>
+      </p:grpSpPr>
+      <p:sp>
+        <p:nvSpPr>
+          <p:cNvPr id="2" name="Titolo 1"/>
+          <p:cNvSpPr>
+            <a:spLocks noGrp="1"/>
+          </p:cNvSpPr>
+          <p:nvPr>
+            <p:ph type="title"/>
+          </p:nvPr>
+        </p:nvSpPr>
+        <p:spPr/>
+        <p:txBody>
+          <a:bodyPr/>
+          <a:lstStyle/>
+          <a:p>
+            <a:pPr algn="ctr"/>
+            <a:r>
+              <a:rPr lang="it-IT" dirty="0" smtClean="0"/>
+              <a:t>Spettro elettromagnetico</a:t>
+            </a:r>
+            <a:endParaRPr lang="it-IT" dirty="0"/>
+          </a:p>
+        </p:txBody>
+      </p:sp>
+      <p:sp>
+        <p:nvSpPr>
+          <p:cNvPr id="3" name="Segnaposto contenuto 2"/>
+          <p:cNvSpPr>
+            <a:spLocks noGrp="1"/>
+          </p:cNvSpPr>
+          <p:nvPr>
+            <p:ph idx="1"/>
+          </p:nvPr>
+        </p:nvSpPr>
+        <p:spPr/>
+        <p:txBody>
+          <a:bodyPr/>
+          <a:lstStyle/>
+          <a:p>
+            <a:pPr marL="0" indent="0">
+              <a:buNone/>
+            </a:pPr>
+            <a:r>
+              <a:rPr lang="it-IT" dirty="0" smtClean="0"/>
+              <a:t>Si divide in varie categorie tra cui:</a:t>
+            </a:r>
+          </a:p>
+          <a:p>
+            <a:r>
+              <a:rPr lang="it-IT" sz="2000" b="1" dirty="0" smtClean="0"/>
+              <a:t>Raggi gamma</a:t>
+            </a:r>
+          </a:p>
+          <a:p>
+            <a:r>
+              <a:rPr lang="it-IT" sz="2000" b="1" dirty="0" smtClean="0"/>
+              <a:t>Raggi X</a:t>
+            </a:r>
+          </a:p>
+          <a:p>
+            <a:r>
+              <a:rPr lang="it-IT" sz="2000" b="1" dirty="0" smtClean="0"/>
+              <a:t>Ultravioletti</a:t>
+            </a:r>
+          </a:p>
+          <a:p>
+            <a:r>
+              <a:rPr lang="it-IT" sz="2000" b="1" dirty="0" smtClean="0"/>
+              <a:t>Luce visibile</a:t>
+            </a:r>
+          </a:p>
+          <a:p>
+            <a:r>
+              <a:rPr lang="it-IT" sz="2000" b="1" dirty="0" smtClean="0"/>
+              <a:t>Infrarossi</a:t>
+            </a:r>
+          </a:p>
+          <a:p>
+            <a:r>
+              <a:rPr lang="it-IT" sz="2000" b="1" dirty="0" smtClean="0"/>
+              <a:t>Microonde</a:t>
+            </a:r>
+          </a:p>
+          <a:p>
+            <a:r>
+              <a:rPr lang="it-IT" sz="2000" b="1" dirty="0" smtClean="0"/>
+              <a:t>Onde radio</a:t>
+            </a:r>
+          </a:p>
+        </p:txBody>
+      </p:sp>
+    </p:spTree>
+    <p:extLst>
+      <p:ext uri="{BB962C8B-B14F-4D97-AF65-F5344CB8AC3E}">
+        <p14:creationId xmlns:p14="http://schemas.microsoft.com/office/powerpoint/2010/main" val="1306943813"/>
       </p:ext>
     </p:extLst>
   </p:cSld>
